--- a/2주차 기초/2주차 기초.pptx
+++ b/2주차 기초/2주차 기초.pptx
@@ -273,7 +273,7 @@
           <a:p>
             <a:fld id="{A7164626-F3AE-419C-9522-94A709CC2311}" type="datetimeFigureOut">
               <a:rPr lang="ko-KR" altLang="en-US" smtClean="0"/>
-              <a:t>2023-10-24</a:t>
+              <a:t>2023-10-27</a:t>
             </a:fld>
             <a:endParaRPr lang="ko-KR" altLang="en-US"/>
           </a:p>
@@ -471,7 +471,7 @@
           <a:p>
             <a:fld id="{A7164626-F3AE-419C-9522-94A709CC2311}" type="datetimeFigureOut">
               <a:rPr lang="ko-KR" altLang="en-US" smtClean="0"/>
-              <a:t>2023-10-24</a:t>
+              <a:t>2023-10-27</a:t>
             </a:fld>
             <a:endParaRPr lang="ko-KR" altLang="en-US"/>
           </a:p>
@@ -679,7 +679,7 @@
           <a:p>
             <a:fld id="{A7164626-F3AE-419C-9522-94A709CC2311}" type="datetimeFigureOut">
               <a:rPr lang="ko-KR" altLang="en-US" smtClean="0"/>
-              <a:t>2023-10-24</a:t>
+              <a:t>2023-10-27</a:t>
             </a:fld>
             <a:endParaRPr lang="ko-KR" altLang="en-US"/>
           </a:p>
@@ -877,7 +877,7 @@
           <a:p>
             <a:fld id="{A7164626-F3AE-419C-9522-94A709CC2311}" type="datetimeFigureOut">
               <a:rPr lang="ko-KR" altLang="en-US" smtClean="0"/>
-              <a:t>2023-10-24</a:t>
+              <a:t>2023-10-27</a:t>
             </a:fld>
             <a:endParaRPr lang="ko-KR" altLang="en-US"/>
           </a:p>
@@ -1152,7 +1152,7 @@
           <a:p>
             <a:fld id="{A7164626-F3AE-419C-9522-94A709CC2311}" type="datetimeFigureOut">
               <a:rPr lang="ko-KR" altLang="en-US" smtClean="0"/>
-              <a:t>2023-10-24</a:t>
+              <a:t>2023-10-27</a:t>
             </a:fld>
             <a:endParaRPr lang="ko-KR" altLang="en-US"/>
           </a:p>
@@ -1417,7 +1417,7 @@
           <a:p>
             <a:fld id="{A7164626-F3AE-419C-9522-94A709CC2311}" type="datetimeFigureOut">
               <a:rPr lang="ko-KR" altLang="en-US" smtClean="0"/>
-              <a:t>2023-10-24</a:t>
+              <a:t>2023-10-27</a:t>
             </a:fld>
             <a:endParaRPr lang="ko-KR" altLang="en-US"/>
           </a:p>
@@ -1829,7 +1829,7 @@
           <a:p>
             <a:fld id="{A7164626-F3AE-419C-9522-94A709CC2311}" type="datetimeFigureOut">
               <a:rPr lang="ko-KR" altLang="en-US" smtClean="0"/>
-              <a:t>2023-10-24</a:t>
+              <a:t>2023-10-27</a:t>
             </a:fld>
             <a:endParaRPr lang="ko-KR" altLang="en-US"/>
           </a:p>
@@ -1970,7 +1970,7 @@
           <a:p>
             <a:fld id="{A7164626-F3AE-419C-9522-94A709CC2311}" type="datetimeFigureOut">
               <a:rPr lang="ko-KR" altLang="en-US" smtClean="0"/>
-              <a:t>2023-10-24</a:t>
+              <a:t>2023-10-27</a:t>
             </a:fld>
             <a:endParaRPr lang="ko-KR" altLang="en-US"/>
           </a:p>
@@ -2083,7 +2083,7 @@
           <a:p>
             <a:fld id="{A7164626-F3AE-419C-9522-94A709CC2311}" type="datetimeFigureOut">
               <a:rPr lang="ko-KR" altLang="en-US" smtClean="0"/>
-              <a:t>2023-10-24</a:t>
+              <a:t>2023-10-27</a:t>
             </a:fld>
             <a:endParaRPr lang="ko-KR" altLang="en-US"/>
           </a:p>
@@ -2394,7 +2394,7 @@
           <a:p>
             <a:fld id="{A7164626-F3AE-419C-9522-94A709CC2311}" type="datetimeFigureOut">
               <a:rPr lang="ko-KR" altLang="en-US" smtClean="0"/>
-              <a:t>2023-10-24</a:t>
+              <a:t>2023-10-27</a:t>
             </a:fld>
             <a:endParaRPr lang="ko-KR" altLang="en-US"/>
           </a:p>
@@ -2682,7 +2682,7 @@
           <a:p>
             <a:fld id="{A7164626-F3AE-419C-9522-94A709CC2311}" type="datetimeFigureOut">
               <a:rPr lang="ko-KR" altLang="en-US" smtClean="0"/>
-              <a:t>2023-10-24</a:t>
+              <a:t>2023-10-27</a:t>
             </a:fld>
             <a:endParaRPr lang="ko-KR" altLang="en-US"/>
           </a:p>
@@ -2923,7 +2923,7 @@
           <a:p>
             <a:fld id="{A7164626-F3AE-419C-9522-94A709CC2311}" type="datetimeFigureOut">
               <a:rPr lang="ko-KR" altLang="en-US" smtClean="0"/>
-              <a:t>2023-10-24</a:t>
+              <a:t>2023-10-27</a:t>
             </a:fld>
             <a:endParaRPr lang="ko-KR" altLang="en-US"/>
           </a:p>
@@ -3674,8 +3674,8 @@
           </a:p>
         </p:txBody>
       </p:sp>
-      <mc:AlternateContent xmlns:mc="http://schemas.openxmlformats.org/markup-compatibility/2006">
-        <mc:Choice xmlns:a14="http://schemas.microsoft.com/office/drawing/2010/main" Requires="a14">
+      <mc:AlternateContent xmlns:mc="http://schemas.openxmlformats.org/markup-compatibility/2006" xmlns:a14="http://schemas.microsoft.com/office/drawing/2010/main">
+        <mc:Choice Requires="a14">
           <p:sp>
             <p:nvSpPr>
               <p:cNvPr id="3" name="내용 개체 틀 2">
@@ -3898,7 +3898,7 @@
             </p:txBody>
           </p:sp>
         </mc:Choice>
-        <mc:Fallback>
+        <mc:Fallback xmlns="">
           <p:sp>
             <p:nvSpPr>
               <p:cNvPr id="3" name="내용 개체 틀 2">
@@ -4445,7 +4445,15 @@
             </a:r>
             <a:r>
               <a:rPr lang="ko-KR" altLang="en-US" dirty="0"/>
-              <a:t> 활용 예</a:t>
+              <a:t> 활용 간단 예 </a:t>
+            </a:r>
+            <a:r>
+              <a:rPr lang="en-US" altLang="ko-KR" dirty="0"/>
+              <a:t>: 2576 </a:t>
+            </a:r>
+            <a:r>
+              <a:rPr lang="ko-KR" altLang="en-US" dirty="0"/>
+              <a:t>홀수</a:t>
             </a:r>
           </a:p>
         </p:txBody>
@@ -4470,6 +4478,81 @@
         <p:txBody>
           <a:bodyPr/>
           <a:lstStyle/>
+          <a:p>
+            <a:r>
+              <a:rPr lang="en-US" altLang="ko-KR" dirty="0">
+                <a:hlinkClick r:id="rId2"/>
+              </a:rPr>
+              <a:t>https://www.acmicpc.net/problem/2576</a:t>
+            </a:r>
+            <a:r>
+              <a:rPr lang="en-US" altLang="ko-KR" dirty="0"/>
+              <a:t> </a:t>
+            </a:r>
+          </a:p>
+          <a:p>
+            <a:r>
+              <a:rPr lang="ko-KR" altLang="en-US" dirty="0"/>
+              <a:t>기본 입출력 </a:t>
+            </a:r>
+            <a:r>
+              <a:rPr lang="en-US" altLang="ko-KR" dirty="0" err="1"/>
+              <a:t>cin</a:t>
+            </a:r>
+            <a:r>
+              <a:rPr lang="en-US" altLang="ko-KR" dirty="0"/>
+              <a:t>,</a:t>
+            </a:r>
+            <a:r>
+              <a:rPr lang="ko-KR" altLang="en-US" dirty="0"/>
+              <a:t> 과 </a:t>
+            </a:r>
+            <a:r>
+              <a:rPr lang="en-US" altLang="ko-KR" dirty="0" err="1"/>
+              <a:t>cout</a:t>
+            </a:r>
+            <a:r>
+              <a:rPr lang="ko-KR" altLang="en-US" dirty="0"/>
+              <a:t>을 사용</a:t>
+            </a:r>
+            <a:endParaRPr lang="en-US" altLang="ko-KR" dirty="0"/>
+          </a:p>
+          <a:p>
+            <a:r>
+              <a:rPr lang="ko-KR" altLang="en-US" dirty="0"/>
+              <a:t>정답 코드 </a:t>
+            </a:r>
+            <a:r>
+              <a:rPr lang="en-US" altLang="ko-KR" dirty="0"/>
+              <a:t>: </a:t>
+            </a:r>
+            <a:r>
+              <a:rPr lang="en-US" altLang="ko-KR" dirty="0">
+                <a:hlinkClick r:id="rId3"/>
+              </a:rPr>
+              <a:t>https://github.com/quizoverflow/2023_Algorithm_Study</a:t>
+            </a:r>
+            <a:r>
+              <a:rPr lang="en-US" altLang="ko-KR" dirty="0"/>
+              <a:t> </a:t>
+            </a:r>
+            <a:br>
+              <a:rPr lang="en-US" altLang="ko-KR" dirty="0"/>
+            </a:br>
+            <a:r>
+              <a:rPr lang="en-US" altLang="ko-KR" dirty="0"/>
+              <a:t>2</a:t>
+            </a:r>
+            <a:r>
+              <a:rPr lang="ko-KR" altLang="en-US" dirty="0"/>
+              <a:t>주차 기초 </a:t>
+            </a:r>
+            <a:r>
+              <a:rPr lang="en-US" altLang="ko-KR"/>
+              <a:t>– 2576.cpp</a:t>
+            </a:r>
+            <a:endParaRPr lang="en-US" altLang="ko-KR" dirty="0"/>
+          </a:p>
           <a:p>
             <a:endParaRPr lang="ko-KR" altLang="en-US" dirty="0"/>
           </a:p>
@@ -4553,6 +4636,13 @@
           <a:p>
             <a:r>
               <a:rPr lang="ko-KR" altLang="en-US" dirty="0"/>
+              <a:t>기본 입출력</a:t>
+            </a:r>
+            <a:endParaRPr lang="en-US" altLang="ko-KR" dirty="0"/>
+          </a:p>
+          <a:p>
+            <a:r>
+              <a:rPr lang="ko-KR" altLang="en-US" dirty="0"/>
               <a:t>시공간 복잡도 계산법</a:t>
             </a:r>
             <a:r>
@@ -5668,15 +5758,7 @@
             </a:r>
             <a:r>
               <a:rPr lang="ko-KR" altLang="en-US" dirty="0"/>
-              <a:t> 고려하는 문제는 굉장히 </a:t>
-            </a:r>
-            <a:r>
-              <a:rPr lang="ko-KR" altLang="en-US" dirty="0" err="1"/>
-              <a:t>드물긴</a:t>
-            </a:r>
-            <a:r>
-              <a:rPr lang="ko-KR" altLang="en-US" dirty="0"/>
-              <a:t> 함</a:t>
+              <a:t> 고려하는 문제는 거의 없음</a:t>
             </a:r>
             <a:br>
               <a:rPr lang="en-US" altLang="ko-KR" dirty="0"/>
@@ -5890,11 +5972,11 @@
                 </a:r>
                 <a:r>
                   <a:rPr lang="ko-KR" altLang="en-US" dirty="0"/>
-                  <a:t>의 값을 </a:t>
+                  <a:t>의 값을 하나 </a:t>
                 </a:r>
                 <a:r>
                   <a:rPr lang="ko-KR" altLang="en-US" dirty="0" err="1"/>
-                  <a:t>일일히</a:t>
+                  <a:t>하나</a:t>
                 </a:r>
                 <a:r>
                   <a:rPr lang="ko-KR" altLang="en-US" dirty="0"/>
@@ -6021,7 +6103,7 @@
               <a:blipFill>
                 <a:blip r:embed="rId2"/>
                 <a:stretch>
-                  <a:fillRect l="-1043" r="-522" b="-140"/>
+                  <a:fillRect l="-1043" r="-696" b="-140"/>
                 </a:stretch>
               </a:blipFill>
             </p:spPr>
@@ -6103,8 +6185,8 @@
           </a:p>
         </p:txBody>
       </p:sp>
-      <mc:AlternateContent xmlns:mc="http://schemas.openxmlformats.org/markup-compatibility/2006">
-        <mc:Choice xmlns:a14="http://schemas.microsoft.com/office/drawing/2010/main" Requires="a14">
+      <mc:AlternateContent xmlns:mc="http://schemas.openxmlformats.org/markup-compatibility/2006" xmlns:a14="http://schemas.microsoft.com/office/drawing/2010/main">
+        <mc:Choice Requires="a14">
           <p:sp>
             <p:nvSpPr>
               <p:cNvPr id="3" name="내용 개체 틀 2">
@@ -6426,7 +6508,7 @@
             </p:txBody>
           </p:sp>
         </mc:Choice>
-        <mc:Fallback>
+        <mc:Fallback xmlns="">
           <p:sp>
             <p:nvSpPr>
               <p:cNvPr id="3" name="내용 개체 틀 2">

--- a/2주차 기초/2주차 기초.pptx
+++ b/2주차 기초/2주차 기초.pptx
@@ -20,6 +20,8 @@
     <p:sldId id="269" r:id="rId14"/>
     <p:sldId id="270" r:id="rId15"/>
     <p:sldId id="271" r:id="rId16"/>
+    <p:sldId id="272" r:id="rId17"/>
+    <p:sldId id="273" r:id="rId18"/>
   </p:sldIdLst>
   <p:sldSz cx="12192000" cy="6858000"/>
   <p:notesSz cx="6858000" cy="9144000"/>
@@ -4571,6 +4573,308 @@
 </p:sld>
 </file>
 
+<file path=ppt/slides/slide16.xml><?xml version="1.0" encoding="utf-8"?>
+<p:sld xmlns:a="http://schemas.openxmlformats.org/drawingml/2006/main" xmlns:r="http://schemas.openxmlformats.org/officeDocument/2006/relationships" xmlns:p="http://schemas.openxmlformats.org/presentationml/2006/main">
+  <p:cSld>
+    <p:spTree>
+      <p:nvGrpSpPr>
+        <p:cNvPr id="1" name=""/>
+        <p:cNvGrpSpPr/>
+        <p:nvPr/>
+      </p:nvGrpSpPr>
+      <p:grpSpPr>
+        <a:xfrm>
+          <a:off x="0" y="0"/>
+          <a:ext cx="0" cy="0"/>
+          <a:chOff x="0" y="0"/>
+          <a:chExt cx="0" cy="0"/>
+        </a:xfrm>
+      </p:grpSpPr>
+      <p:sp>
+        <p:nvSpPr>
+          <p:cNvPr id="2" name="제목 1">
+            <a:extLst>
+              <a:ext uri="{FF2B5EF4-FFF2-40B4-BE49-F238E27FC236}">
+                <a16:creationId xmlns:a16="http://schemas.microsoft.com/office/drawing/2014/main" id="{0CBFE879-1F56-FA69-89BA-ED05BA38705C}"/>
+              </a:ext>
+            </a:extLst>
+          </p:cNvPr>
+          <p:cNvSpPr>
+            <a:spLocks noGrp="1"/>
+          </p:cNvSpPr>
+          <p:nvPr>
+            <p:ph type="title"/>
+          </p:nvPr>
+        </p:nvSpPr>
+        <p:spPr/>
+        <p:txBody>
+          <a:bodyPr/>
+          <a:lstStyle/>
+          <a:p>
+            <a:r>
+              <a:rPr lang="en-US" altLang="ko-KR" dirty="0"/>
+              <a:t>&lt;std::</a:t>
+            </a:r>
+            <a:r>
+              <a:rPr lang="en-US" altLang="ko-KR" dirty="0" err="1"/>
+              <a:t>endl</a:t>
+            </a:r>
+            <a:r>
+              <a:rPr lang="en-US" altLang="ko-KR" dirty="0"/>
+              <a:t>&gt;</a:t>
+            </a:r>
+            <a:r>
+              <a:rPr lang="ko-KR" altLang="en-US" dirty="0"/>
+              <a:t>의 쓰임</a:t>
+            </a:r>
+          </a:p>
+        </p:txBody>
+      </p:sp>
+      <p:sp>
+        <p:nvSpPr>
+          <p:cNvPr id="3" name="내용 개체 틀 2">
+            <a:extLst>
+              <a:ext uri="{FF2B5EF4-FFF2-40B4-BE49-F238E27FC236}">
+                <a16:creationId xmlns:a16="http://schemas.microsoft.com/office/drawing/2014/main" id="{302E56EC-2629-CB09-6720-10FA7E5C2743}"/>
+              </a:ext>
+            </a:extLst>
+          </p:cNvPr>
+          <p:cNvSpPr>
+            <a:spLocks noGrp="1"/>
+          </p:cNvSpPr>
+          <p:nvPr>
+            <p:ph idx="1"/>
+          </p:nvPr>
+        </p:nvSpPr>
+        <p:spPr/>
+        <p:txBody>
+          <a:bodyPr/>
+          <a:lstStyle/>
+          <a:p>
+            <a:r>
+              <a:rPr lang="en-US" altLang="ko-KR" dirty="0">
+                <a:hlinkClick r:id="rId2"/>
+              </a:rPr>
+              <a:t>https://www.acmicpc.net/problem/2741</a:t>
+            </a:r>
+            <a:r>
+              <a:rPr lang="en-US" altLang="ko-KR" dirty="0"/>
+              <a:t> </a:t>
+            </a:r>
+            <a:br>
+              <a:rPr lang="en-US" altLang="ko-KR" dirty="0"/>
+            </a:br>
+            <a:r>
+              <a:rPr lang="en-US" altLang="ko-KR" dirty="0" err="1"/>
+              <a:t>cout</a:t>
+            </a:r>
+            <a:r>
+              <a:rPr lang="en-US" altLang="ko-KR" dirty="0"/>
+              <a:t>&lt;&lt;n&lt;&lt;</a:t>
+            </a:r>
+            <a:r>
+              <a:rPr lang="en-US" altLang="ko-KR" dirty="0" err="1"/>
+              <a:t>endl</a:t>
+            </a:r>
+            <a:r>
+              <a:rPr lang="en-US" altLang="ko-KR" dirty="0"/>
+              <a:t>; =&gt; </a:t>
+            </a:r>
+            <a:r>
+              <a:rPr lang="ko-KR" altLang="en-US" dirty="0"/>
+              <a:t>시간초과 나는 문제</a:t>
+            </a:r>
+            <a:endParaRPr lang="en-US" altLang="ko-KR" dirty="0"/>
+          </a:p>
+          <a:p>
+            <a:endParaRPr lang="en-US" altLang="ko-KR" dirty="0"/>
+          </a:p>
+          <a:p>
+            <a:r>
+              <a:rPr lang="ko-KR" altLang="en-US" dirty="0"/>
+              <a:t>그렇다면 </a:t>
+            </a:r>
+            <a:r>
+              <a:rPr lang="en-US" altLang="ko-KR" dirty="0" err="1"/>
+              <a:t>endl</a:t>
+            </a:r>
+            <a:r>
+              <a:rPr lang="ko-KR" altLang="en-US" dirty="0"/>
+              <a:t>이 쓸모가 없을까</a:t>
+            </a:r>
+            <a:r>
+              <a:rPr lang="en-US" altLang="ko-KR" dirty="0"/>
+              <a:t>..?</a:t>
+            </a:r>
+            <a:endParaRPr lang="ko-KR" altLang="en-US" dirty="0"/>
+          </a:p>
+        </p:txBody>
+      </p:sp>
+    </p:spTree>
+    <p:extLst>
+      <p:ext uri="{BB962C8B-B14F-4D97-AF65-F5344CB8AC3E}">
+        <p14:creationId xmlns:p14="http://schemas.microsoft.com/office/powerpoint/2010/main" val="1061175319"/>
+      </p:ext>
+    </p:extLst>
+  </p:cSld>
+  <p:clrMapOvr>
+    <a:masterClrMapping/>
+  </p:clrMapOvr>
+</p:sld>
+</file>
+
+<file path=ppt/slides/slide17.xml><?xml version="1.0" encoding="utf-8"?>
+<p:sld xmlns:a="http://schemas.openxmlformats.org/drawingml/2006/main" xmlns:r="http://schemas.openxmlformats.org/officeDocument/2006/relationships" xmlns:p="http://schemas.openxmlformats.org/presentationml/2006/main">
+  <p:cSld>
+    <p:spTree>
+      <p:nvGrpSpPr>
+        <p:cNvPr id="1" name=""/>
+        <p:cNvGrpSpPr/>
+        <p:nvPr/>
+      </p:nvGrpSpPr>
+      <p:grpSpPr>
+        <a:xfrm>
+          <a:off x="0" y="0"/>
+          <a:ext cx="0" cy="0"/>
+          <a:chOff x="0" y="0"/>
+          <a:chExt cx="0" cy="0"/>
+        </a:xfrm>
+      </p:grpSpPr>
+      <p:sp>
+        <p:nvSpPr>
+          <p:cNvPr id="2" name="제목 1">
+            <a:extLst>
+              <a:ext uri="{FF2B5EF4-FFF2-40B4-BE49-F238E27FC236}">
+                <a16:creationId xmlns:a16="http://schemas.microsoft.com/office/drawing/2014/main" id="{4F363F16-1778-2AB7-011A-E4132690F094}"/>
+              </a:ext>
+            </a:extLst>
+          </p:cNvPr>
+          <p:cNvSpPr>
+            <a:spLocks noGrp="1"/>
+          </p:cNvSpPr>
+          <p:nvPr>
+            <p:ph type="title"/>
+          </p:nvPr>
+        </p:nvSpPr>
+        <p:spPr/>
+        <p:txBody>
+          <a:bodyPr/>
+          <a:lstStyle/>
+          <a:p>
+            <a:r>
+              <a:rPr lang="ko-KR" altLang="en-US" dirty="0"/>
+              <a:t>빠른 입출력</a:t>
+            </a:r>
+          </a:p>
+        </p:txBody>
+      </p:sp>
+      <p:sp>
+        <p:nvSpPr>
+          <p:cNvPr id="3" name="내용 개체 틀 2">
+            <a:extLst>
+              <a:ext uri="{FF2B5EF4-FFF2-40B4-BE49-F238E27FC236}">
+                <a16:creationId xmlns:a16="http://schemas.microsoft.com/office/drawing/2014/main" id="{9869DA2D-F016-A070-7577-AE585AB6FDFC}"/>
+              </a:ext>
+            </a:extLst>
+          </p:cNvPr>
+          <p:cNvSpPr>
+            <a:spLocks noGrp="1"/>
+          </p:cNvSpPr>
+          <p:nvPr>
+            <p:ph idx="1"/>
+          </p:nvPr>
+        </p:nvSpPr>
+        <p:spPr/>
+        <p:txBody>
+          <a:bodyPr/>
+          <a:lstStyle/>
+          <a:p>
+            <a:r>
+              <a:rPr lang="en-US" altLang="ko-KR" dirty="0" err="1"/>
+              <a:t>ios_base</a:t>
+            </a:r>
+            <a:r>
+              <a:rPr lang="en-US" altLang="ko-KR" dirty="0"/>
+              <a:t>::</a:t>
+            </a:r>
+            <a:r>
+              <a:rPr lang="en-US" altLang="ko-KR" dirty="0" err="1"/>
+              <a:t>sync_with_stdio</a:t>
+            </a:r>
+            <a:r>
+              <a:rPr lang="en-US" altLang="ko-KR" dirty="0"/>
+              <a:t>(false); </a:t>
+            </a:r>
+          </a:p>
+          <a:p>
+            <a:r>
+              <a:rPr lang="en-US" altLang="ko-KR" dirty="0" err="1"/>
+              <a:t>cin.tie</a:t>
+            </a:r>
+            <a:r>
+              <a:rPr lang="en-US" altLang="ko-KR" dirty="0"/>
+              <a:t>(0);</a:t>
+            </a:r>
+          </a:p>
+          <a:p>
+            <a:r>
+              <a:rPr lang="en-US" altLang="ko-KR" dirty="0" err="1"/>
+              <a:t>cout.tie</a:t>
+            </a:r>
+            <a:r>
+              <a:rPr lang="en-US" altLang="ko-KR" dirty="0"/>
+              <a:t>(0);</a:t>
+            </a:r>
+          </a:p>
+          <a:p>
+            <a:endParaRPr lang="en-US" altLang="ko-KR" dirty="0"/>
+          </a:p>
+          <a:p>
+            <a:r>
+              <a:rPr lang="en-US" altLang="ko-KR" dirty="0"/>
+              <a:t>C++ </a:t>
+            </a:r>
+            <a:r>
+              <a:rPr lang="en-US" altLang="ko-KR" dirty="0" err="1"/>
+              <a:t>ps</a:t>
+            </a:r>
+            <a:r>
+              <a:rPr lang="ko-KR" altLang="en-US"/>
+              <a:t>에서는 </a:t>
+            </a:r>
+            <a:r>
+              <a:rPr lang="en-US" altLang="ko-KR"/>
+              <a:t>Default </a:t>
+            </a:r>
+            <a:r>
+              <a:rPr lang="en-US" altLang="ko-KR" dirty="0"/>
+              <a:t>template</a:t>
+            </a:r>
+            <a:r>
+              <a:rPr lang="ko-KR" altLang="en-US" dirty="0"/>
+              <a:t>이라고 생각하면 좋다</a:t>
+            </a:r>
+            <a:r>
+              <a:rPr lang="en-US" altLang="ko-KR" dirty="0"/>
+              <a:t>.</a:t>
+            </a:r>
+            <a:endParaRPr lang="ko-KR" altLang="en-US" dirty="0"/>
+          </a:p>
+        </p:txBody>
+      </p:sp>
+    </p:spTree>
+    <p:extLst>
+      <p:ext uri="{BB962C8B-B14F-4D97-AF65-F5344CB8AC3E}">
+        <p14:creationId xmlns:p14="http://schemas.microsoft.com/office/powerpoint/2010/main" val="4002015948"/>
+      </p:ext>
+    </p:extLst>
+  </p:cSld>
+  <p:clrMapOvr>
+    <a:masterClrMapping/>
+  </p:clrMapOvr>
+</p:sld>
+</file>
+
 <file path=ppt/slides/slide2.xml><?xml version="1.0" encoding="utf-8"?>
 <p:sld xmlns:a="http://schemas.openxmlformats.org/drawingml/2006/main" xmlns:r="http://schemas.openxmlformats.org/officeDocument/2006/relationships" xmlns:p="http://schemas.openxmlformats.org/presentationml/2006/main">
   <p:cSld>
@@ -5867,8 +6171,8 @@
           </a:p>
         </p:txBody>
       </p:sp>
-      <mc:AlternateContent xmlns:mc="http://schemas.openxmlformats.org/markup-compatibility/2006">
-        <mc:Choice xmlns:a14="http://schemas.microsoft.com/office/drawing/2010/main" Requires="a14">
+      <mc:AlternateContent xmlns:mc="http://schemas.openxmlformats.org/markup-compatibility/2006" xmlns:a14="http://schemas.microsoft.com/office/drawing/2010/main">
+        <mc:Choice Requires="a14">
           <p:sp>
             <p:nvSpPr>
               <p:cNvPr id="3" name="내용 개체 틀 2">
@@ -6082,7 +6386,7 @@
             </p:txBody>
           </p:sp>
         </mc:Choice>
-        <mc:Fallback>
+        <mc:Fallback xmlns="">
           <p:sp>
             <p:nvSpPr>
               <p:cNvPr id="3" name="내용 개체 틀 2">

--- a/2주차 기초/2주차 기초.pptx
+++ b/2주차 기초/2주차 기초.pptx
@@ -275,7 +275,7 @@
           <a:p>
             <a:fld id="{A7164626-F3AE-419C-9522-94A709CC2311}" type="datetimeFigureOut">
               <a:rPr lang="ko-KR" altLang="en-US" smtClean="0"/>
-              <a:t>2023-10-27</a:t>
+              <a:t>2023-10-28</a:t>
             </a:fld>
             <a:endParaRPr lang="ko-KR" altLang="en-US"/>
           </a:p>
@@ -473,7 +473,7 @@
           <a:p>
             <a:fld id="{A7164626-F3AE-419C-9522-94A709CC2311}" type="datetimeFigureOut">
               <a:rPr lang="ko-KR" altLang="en-US" smtClean="0"/>
-              <a:t>2023-10-27</a:t>
+              <a:t>2023-10-28</a:t>
             </a:fld>
             <a:endParaRPr lang="ko-KR" altLang="en-US"/>
           </a:p>
@@ -681,7 +681,7 @@
           <a:p>
             <a:fld id="{A7164626-F3AE-419C-9522-94A709CC2311}" type="datetimeFigureOut">
               <a:rPr lang="ko-KR" altLang="en-US" smtClean="0"/>
-              <a:t>2023-10-27</a:t>
+              <a:t>2023-10-28</a:t>
             </a:fld>
             <a:endParaRPr lang="ko-KR" altLang="en-US"/>
           </a:p>
@@ -879,7 +879,7 @@
           <a:p>
             <a:fld id="{A7164626-F3AE-419C-9522-94A709CC2311}" type="datetimeFigureOut">
               <a:rPr lang="ko-KR" altLang="en-US" smtClean="0"/>
-              <a:t>2023-10-27</a:t>
+              <a:t>2023-10-28</a:t>
             </a:fld>
             <a:endParaRPr lang="ko-KR" altLang="en-US"/>
           </a:p>
@@ -1154,7 +1154,7 @@
           <a:p>
             <a:fld id="{A7164626-F3AE-419C-9522-94A709CC2311}" type="datetimeFigureOut">
               <a:rPr lang="ko-KR" altLang="en-US" smtClean="0"/>
-              <a:t>2023-10-27</a:t>
+              <a:t>2023-10-28</a:t>
             </a:fld>
             <a:endParaRPr lang="ko-KR" altLang="en-US"/>
           </a:p>
@@ -1419,7 +1419,7 @@
           <a:p>
             <a:fld id="{A7164626-F3AE-419C-9522-94A709CC2311}" type="datetimeFigureOut">
               <a:rPr lang="ko-KR" altLang="en-US" smtClean="0"/>
-              <a:t>2023-10-27</a:t>
+              <a:t>2023-10-28</a:t>
             </a:fld>
             <a:endParaRPr lang="ko-KR" altLang="en-US"/>
           </a:p>
@@ -1831,7 +1831,7 @@
           <a:p>
             <a:fld id="{A7164626-F3AE-419C-9522-94A709CC2311}" type="datetimeFigureOut">
               <a:rPr lang="ko-KR" altLang="en-US" smtClean="0"/>
-              <a:t>2023-10-27</a:t>
+              <a:t>2023-10-28</a:t>
             </a:fld>
             <a:endParaRPr lang="ko-KR" altLang="en-US"/>
           </a:p>
@@ -1972,7 +1972,7 @@
           <a:p>
             <a:fld id="{A7164626-F3AE-419C-9522-94A709CC2311}" type="datetimeFigureOut">
               <a:rPr lang="ko-KR" altLang="en-US" smtClean="0"/>
-              <a:t>2023-10-27</a:t>
+              <a:t>2023-10-28</a:t>
             </a:fld>
             <a:endParaRPr lang="ko-KR" altLang="en-US"/>
           </a:p>
@@ -2085,7 +2085,7 @@
           <a:p>
             <a:fld id="{A7164626-F3AE-419C-9522-94A709CC2311}" type="datetimeFigureOut">
               <a:rPr lang="ko-KR" altLang="en-US" smtClean="0"/>
-              <a:t>2023-10-27</a:t>
+              <a:t>2023-10-28</a:t>
             </a:fld>
             <a:endParaRPr lang="ko-KR" altLang="en-US"/>
           </a:p>
@@ -2396,7 +2396,7 @@
           <a:p>
             <a:fld id="{A7164626-F3AE-419C-9522-94A709CC2311}" type="datetimeFigureOut">
               <a:rPr lang="ko-KR" altLang="en-US" smtClean="0"/>
-              <a:t>2023-10-27</a:t>
+              <a:t>2023-10-28</a:t>
             </a:fld>
             <a:endParaRPr lang="ko-KR" altLang="en-US"/>
           </a:p>
@@ -2684,7 +2684,7 @@
           <a:p>
             <a:fld id="{A7164626-F3AE-419C-9522-94A709CC2311}" type="datetimeFigureOut">
               <a:rPr lang="ko-KR" altLang="en-US" smtClean="0"/>
-              <a:t>2023-10-27</a:t>
+              <a:t>2023-10-28</a:t>
             </a:fld>
             <a:endParaRPr lang="ko-KR" altLang="en-US"/>
           </a:p>
@@ -2925,7 +2925,7 @@
           <a:p>
             <a:fld id="{A7164626-F3AE-419C-9522-94A709CC2311}" type="datetimeFigureOut">
               <a:rPr lang="ko-KR" altLang="en-US" smtClean="0"/>
-              <a:t>2023-10-27</a:t>
+              <a:t>2023-10-28</a:t>
             </a:fld>
             <a:endParaRPr lang="ko-KR" altLang="en-US"/>
           </a:p>
@@ -4839,16 +4839,12 @@
               <a:t>ps</a:t>
             </a:r>
             <a:r>
-              <a:rPr lang="ko-KR" altLang="en-US"/>
+              <a:rPr lang="ko-KR" altLang="en-US" dirty="0"/>
               <a:t>에서는 </a:t>
             </a:r>
             <a:r>
-              <a:rPr lang="en-US" altLang="ko-KR"/>
-              <a:t>Default </a:t>
-            </a:r>
-            <a:r>
-              <a:rPr lang="en-US" altLang="ko-KR" dirty="0"/>
-              <a:t>template</a:t>
+              <a:rPr lang="en-US" altLang="ko-KR" dirty="0"/>
+              <a:t>Default template</a:t>
             </a:r>
             <a:r>
               <a:rPr lang="ko-KR" altLang="en-US" dirty="0"/>
@@ -4858,7 +4854,12 @@
               <a:rPr lang="en-US" altLang="ko-KR" dirty="0"/>
               <a:t>.</a:t>
             </a:r>
-            <a:endParaRPr lang="ko-KR" altLang="en-US" dirty="0"/>
+          </a:p>
+          <a:p>
+            <a:r>
+              <a:rPr lang="ko-KR" altLang="en-US" dirty="0"/>
+              <a:t>원리와 주의할 점</a:t>
+            </a:r>
           </a:p>
         </p:txBody>
       </p:sp>
